--- a/4_Dokumente/48_Präsentation & Demonstration/IPA_Präsentation_Carigiet_Nico_20170529_DEFINITIV.pptx
+++ b/4_Dokumente/48_Präsentation & Demonstration/IPA_Präsentation_Carigiet_Nico_20170529_DEFINITIV.pptx
@@ -5,7 +5,7 @@
     <p:sldMasterId id="2147483648" r:id="rId1"/>
   </p:sldMasterIdLst>
   <p:notesMasterIdLst>
-    <p:notesMasterId r:id="rId20"/>
+    <p:notesMasterId r:id="rId18"/>
   </p:notesMasterIdLst>
   <p:sldIdLst>
     <p:sldId id="262" r:id="rId2"/>
@@ -24,8 +24,6 @@
     <p:sldId id="283" r:id="rId15"/>
     <p:sldId id="287" r:id="rId16"/>
     <p:sldId id="278" r:id="rId17"/>
-    <p:sldId id="280" r:id="rId18"/>
-    <p:sldId id="279" r:id="rId19"/>
   </p:sldIdLst>
   <p:sldSz cx="12192000" cy="6858000"/>
   <p:notesSz cx="6858000" cy="9144000"/>
@@ -225,7 +223,7 @@
           <a:p>
             <a:fld id="{5E6328E6-ADD7-4F93-B5D9-B133993AEF8D}" type="datetimeFigureOut">
               <a:rPr lang="de-CH" smtClean="0"/>
-              <a:t>01.06.2017</a:t>
+              <a:t>02.06.2017</a:t>
             </a:fld>
             <a:endParaRPr lang="de-CH"/>
           </a:p>
@@ -10373,348 +10371,6 @@
     <p:extLst>
       <p:ext uri="{BB962C8B-B14F-4D97-AF65-F5344CB8AC3E}">
         <p14:creationId xmlns:p14="http://schemas.microsoft.com/office/powerpoint/2010/main" val="2689393552"/>
-      </p:ext>
-    </p:extLst>
-  </p:cSld>
-  <p:clrMapOvr>
-    <a:masterClrMapping/>
-  </p:clrMapOvr>
-  <p:timing>
-    <p:tnLst>
-      <p:par>
-        <p:cTn id="1" dur="indefinite" restart="never" nodeType="tmRoot"/>
-      </p:par>
-    </p:tnLst>
-  </p:timing>
-</p:sld>
-</file>
-
-<file path=ppt/slides/slide17.xml><?xml version="1.0" encoding="utf-8"?>
-<p:sld xmlns:a="http://schemas.openxmlformats.org/drawingml/2006/main" xmlns:r="http://schemas.openxmlformats.org/officeDocument/2006/relationships" xmlns:p="http://schemas.openxmlformats.org/presentationml/2006/main">
-  <p:cSld>
-    <p:spTree>
-      <p:nvGrpSpPr>
-        <p:cNvPr id="1" name=""/>
-        <p:cNvGrpSpPr/>
-        <p:nvPr/>
-      </p:nvGrpSpPr>
-      <p:grpSpPr>
-        <a:xfrm>
-          <a:off x="0" y="0"/>
-          <a:ext cx="0" cy="0"/>
-          <a:chOff x="0" y="0"/>
-          <a:chExt cx="0" cy="0"/>
-        </a:xfrm>
-      </p:grpSpPr>
-      <p:sp>
-        <p:nvSpPr>
-          <p:cNvPr id="2" name="Titel 1"/>
-          <p:cNvSpPr>
-            <a:spLocks noGrp="1"/>
-          </p:cNvSpPr>
-          <p:nvPr>
-            <p:ph type="ctrTitle"/>
-          </p:nvPr>
-        </p:nvSpPr>
-        <p:spPr>
-          <a:xfrm>
-            <a:off x="2589212" y="1279982"/>
-            <a:ext cx="8915399" cy="1683981"/>
-          </a:xfrm>
-        </p:spPr>
-        <p:txBody>
-          <a:bodyPr/>
-          <a:lstStyle/>
-          <a:p>
-            <a:r>
-              <a:rPr lang="de-CH" dirty="0" smtClean="0"/>
-              <a:t>IPA Demonstration</a:t>
-            </a:r>
-            <a:endParaRPr lang="de-CH" dirty="0"/>
-          </a:p>
-        </p:txBody>
-      </p:sp>
-      <p:sp>
-        <p:nvSpPr>
-          <p:cNvPr id="3" name="Untertitel 2"/>
-          <p:cNvSpPr>
-            <a:spLocks noGrp="1"/>
-          </p:cNvSpPr>
-          <p:nvPr>
-            <p:ph type="subTitle" idx="1"/>
-          </p:nvPr>
-        </p:nvSpPr>
-        <p:spPr>
-          <a:xfrm>
-            <a:off x="2589212" y="3530869"/>
-            <a:ext cx="8915399" cy="1126283"/>
-          </a:xfrm>
-        </p:spPr>
-        <p:txBody>
-          <a:bodyPr>
-            <a:normAutofit fontScale="92500"/>
-          </a:bodyPr>
-          <a:lstStyle/>
-          <a:p>
-            <a:r>
-              <a:rPr lang="de-CH" sz="2800" dirty="0"/>
-              <a:t>Installation Client/Serveranlage für KMU mit Windows Server 2012 R2 und Windows 10 Professional.</a:t>
-            </a:r>
-          </a:p>
-          <a:p>
-            <a:endParaRPr lang="de-CH" dirty="0"/>
-          </a:p>
-        </p:txBody>
-      </p:sp>
-      <p:sp>
-        <p:nvSpPr>
-          <p:cNvPr id="4" name="Datumsplatzhalter 3"/>
-          <p:cNvSpPr>
-            <a:spLocks noGrp="1"/>
-          </p:cNvSpPr>
-          <p:nvPr>
-            <p:ph type="dt" sz="half" idx="10"/>
-          </p:nvPr>
-        </p:nvSpPr>
-        <p:spPr/>
-        <p:txBody>
-          <a:bodyPr/>
-          <a:lstStyle/>
-          <a:p>
-            <a:r>
-              <a:rPr lang="de-CH" smtClean="0"/>
-              <a:t>02.06.2017</a:t>
-            </a:r>
-            <a:endParaRPr lang="en-US" dirty="0"/>
-          </a:p>
-        </p:txBody>
-      </p:sp>
-      <p:sp>
-        <p:nvSpPr>
-          <p:cNvPr id="5" name="Fußzeilenplatzhalter 4"/>
-          <p:cNvSpPr>
-            <a:spLocks noGrp="1"/>
-          </p:cNvSpPr>
-          <p:nvPr>
-            <p:ph type="ftr" sz="quarter" idx="11"/>
-          </p:nvPr>
-        </p:nvSpPr>
-        <p:spPr/>
-        <p:txBody>
-          <a:bodyPr/>
-          <a:lstStyle/>
-          <a:p>
-            <a:r>
-              <a:rPr lang="en-US" smtClean="0"/>
-              <a:t>Referent: Carigiet Nico</a:t>
-            </a:r>
-            <a:endParaRPr lang="en-US" dirty="0"/>
-          </a:p>
-        </p:txBody>
-      </p:sp>
-      <p:sp>
-        <p:nvSpPr>
-          <p:cNvPr id="6" name="Foliennummernplatzhalter 5"/>
-          <p:cNvSpPr>
-            <a:spLocks noGrp="1"/>
-          </p:cNvSpPr>
-          <p:nvPr>
-            <p:ph type="sldNum" sz="quarter" idx="12"/>
-          </p:nvPr>
-        </p:nvSpPr>
-        <p:spPr/>
-        <p:txBody>
-          <a:bodyPr/>
-          <a:lstStyle/>
-          <a:p>
-            <a:fld id="{D57F1E4F-1CFF-5643-939E-217C01CDF565}" type="slidenum">
-              <a:rPr lang="en-US" smtClean="0"/>
-              <a:pPr/>
-              <a:t>17</a:t>
-            </a:fld>
-            <a:endParaRPr lang="en-US" dirty="0"/>
-          </a:p>
-        </p:txBody>
-      </p:sp>
-    </p:spTree>
-    <p:extLst>
-      <p:ext uri="{BB962C8B-B14F-4D97-AF65-F5344CB8AC3E}">
-        <p14:creationId xmlns:p14="http://schemas.microsoft.com/office/powerpoint/2010/main" val="587708582"/>
-      </p:ext>
-    </p:extLst>
-  </p:cSld>
-  <p:clrMapOvr>
-    <a:masterClrMapping/>
-  </p:clrMapOvr>
-  <p:timing>
-    <p:tnLst>
-      <p:par>
-        <p:cTn id="1" dur="indefinite" restart="never" nodeType="tmRoot"/>
-      </p:par>
-    </p:tnLst>
-  </p:timing>
-</p:sld>
-</file>
-
-<file path=ppt/slides/slide18.xml><?xml version="1.0" encoding="utf-8"?>
-<p:sld xmlns:a="http://schemas.openxmlformats.org/drawingml/2006/main" xmlns:r="http://schemas.openxmlformats.org/officeDocument/2006/relationships" xmlns:p="http://schemas.openxmlformats.org/presentationml/2006/main">
-  <p:cSld>
-    <p:spTree>
-      <p:nvGrpSpPr>
-        <p:cNvPr id="1" name=""/>
-        <p:cNvGrpSpPr/>
-        <p:nvPr/>
-      </p:nvGrpSpPr>
-      <p:grpSpPr>
-        <a:xfrm>
-          <a:off x="0" y="0"/>
-          <a:ext cx="0" cy="0"/>
-          <a:chOff x="0" y="0"/>
-          <a:chExt cx="0" cy="0"/>
-        </a:xfrm>
-      </p:grpSpPr>
-      <p:sp>
-        <p:nvSpPr>
-          <p:cNvPr id="2" name="Titel 1"/>
-          <p:cNvSpPr>
-            <a:spLocks noGrp="1"/>
-          </p:cNvSpPr>
-          <p:nvPr>
-            <p:ph type="title"/>
-          </p:nvPr>
-        </p:nvSpPr>
-        <p:spPr>
-          <a:xfrm>
-            <a:off x="2592925" y="624110"/>
-            <a:ext cx="8911687" cy="728440"/>
-          </a:xfrm>
-        </p:spPr>
-        <p:txBody>
-          <a:bodyPr>
-            <a:normAutofit/>
-          </a:bodyPr>
-          <a:lstStyle/>
-          <a:p>
-            <a:r>
-              <a:rPr lang="de-CH" dirty="0" smtClean="0"/>
-              <a:t>Ablauf Demonstration</a:t>
-            </a:r>
-            <a:endParaRPr lang="de-CH" sz="4000" dirty="0"/>
-          </a:p>
-        </p:txBody>
-      </p:sp>
-      <p:sp>
-        <p:nvSpPr>
-          <p:cNvPr id="4" name="Foliennummernplatzhalter 3"/>
-          <p:cNvSpPr>
-            <a:spLocks noGrp="1"/>
-          </p:cNvSpPr>
-          <p:nvPr>
-            <p:ph type="sldNum" sz="quarter" idx="12"/>
-          </p:nvPr>
-        </p:nvSpPr>
-        <p:spPr/>
-        <p:txBody>
-          <a:bodyPr/>
-          <a:lstStyle/>
-          <a:p>
-            <a:fld id="{D57F1E4F-1CFF-5643-939E-217C01CDF565}" type="slidenum">
-              <a:rPr lang="en-US" smtClean="0"/>
-              <a:pPr/>
-              <a:t>18</a:t>
-            </a:fld>
-            <a:endParaRPr lang="en-US" dirty="0"/>
-          </a:p>
-        </p:txBody>
-      </p:sp>
-      <p:sp>
-        <p:nvSpPr>
-          <p:cNvPr id="5" name="Datumsplatzhalter 4"/>
-          <p:cNvSpPr>
-            <a:spLocks noGrp="1"/>
-          </p:cNvSpPr>
-          <p:nvPr>
-            <p:ph type="dt" sz="half" idx="13"/>
-          </p:nvPr>
-        </p:nvSpPr>
-        <p:spPr/>
-        <p:txBody>
-          <a:bodyPr/>
-          <a:lstStyle/>
-          <a:p>
-            <a:r>
-              <a:rPr lang="de-CH" b="1" dirty="0" smtClean="0"/>
-              <a:t>02.06.2017</a:t>
-            </a:r>
-            <a:endParaRPr lang="en-US" sz="1000" b="1" dirty="0"/>
-          </a:p>
-        </p:txBody>
-      </p:sp>
-      <p:sp>
-        <p:nvSpPr>
-          <p:cNvPr id="6" name="Fußzeilenplatzhalter 5"/>
-          <p:cNvSpPr>
-            <a:spLocks noGrp="1"/>
-          </p:cNvSpPr>
-          <p:nvPr>
-            <p:ph type="ftr" sz="quarter" idx="14"/>
-          </p:nvPr>
-        </p:nvSpPr>
-        <p:spPr/>
-        <p:txBody>
-          <a:bodyPr/>
-          <a:lstStyle/>
-          <a:p>
-            <a:r>
-              <a:rPr lang="en-US" b="1" dirty="0" smtClean="0"/>
-              <a:t>Referent: </a:t>
-            </a:r>
-            <a:r>
-              <a:rPr lang="en-US" b="1" dirty="0" err="1" smtClean="0"/>
-              <a:t>Carigiet</a:t>
-            </a:r>
-            <a:r>
-              <a:rPr lang="en-US" b="1" dirty="0" smtClean="0"/>
-              <a:t> </a:t>
-            </a:r>
-            <a:r>
-              <a:rPr lang="en-US" b="1" dirty="0" err="1" smtClean="0"/>
-              <a:t>Nico</a:t>
-            </a:r>
-            <a:endParaRPr lang="en-US" b="1" dirty="0"/>
-          </a:p>
-        </p:txBody>
-      </p:sp>
-      <p:sp>
-        <p:nvSpPr>
-          <p:cNvPr id="7" name="Inhaltsplatzhalter 2"/>
-          <p:cNvSpPr>
-            <a:spLocks noGrp="1"/>
-          </p:cNvSpPr>
-          <p:nvPr>
-            <p:ph idx="1"/>
-          </p:nvPr>
-        </p:nvSpPr>
-        <p:spPr>
-          <a:xfrm>
-            <a:off x="2589212" y="1628776"/>
-            <a:ext cx="8915400" cy="4286249"/>
-          </a:xfrm>
-        </p:spPr>
-        <p:txBody>
-          <a:bodyPr>
-            <a:normAutofit/>
-          </a:bodyPr>
-          <a:lstStyle/>
-          <a:p>
-            <a:endParaRPr lang="de-CH" dirty="0"/>
-          </a:p>
-        </p:txBody>
-      </p:sp>
-    </p:spTree>
-    <p:extLst>
-      <p:ext uri="{BB962C8B-B14F-4D97-AF65-F5344CB8AC3E}">
-        <p14:creationId xmlns:p14="http://schemas.microsoft.com/office/powerpoint/2010/main" val="3947416861"/>
       </p:ext>
     </p:extLst>
   </p:cSld>
